--- a/Accident Severity Model.pptx
+++ b/Accident Severity Model.pptx
@@ -10,7 +10,8 @@
     <p:sldId id="258" r:id="rId4"/>
     <p:sldId id="259" r:id="rId5"/>
     <p:sldId id="260" r:id="rId6"/>
-    <p:sldId id="261" r:id="rId7"/>
+    <p:sldId id="262" r:id="rId7"/>
+    <p:sldId id="261" r:id="rId8"/>
   </p:sldIdLst>
   <p:sldSz cx="12192000" cy="6858000"/>
   <p:notesSz cx="6858000" cy="9144000"/>
@@ -7315,6 +7316,115 @@
           <a:chExt cx="0" cy="0"/>
         </a:xfrm>
       </p:grpSpPr>
+      <p:pic>
+        <p:nvPicPr>
+          <p:cNvPr id="2" name="Picture 1" descr="C:\Users\rj59812\AppData\Local\Microsoft\Windows\INetCache\Content.MSO\B6F0C413.tmp">
+            <a:extLst>
+              <a:ext uri="{FF2B5EF4-FFF2-40B4-BE49-F238E27FC236}">
+                <a16:creationId xmlns:a16="http://schemas.microsoft.com/office/drawing/2014/main" id="{692C5112-631D-40B4-B4F0-79FCB3E12DF7}"/>
+              </a:ext>
+            </a:extLst>
+          </p:cNvPr>
+          <p:cNvPicPr/>
+          <p:nvPr/>
+        </p:nvPicPr>
+        <p:blipFill>
+          <a:blip r:embed="rId2">
+            <a:extLst>
+              <a:ext uri="{28A0092B-C50C-407E-A947-70E740481C1C}">
+                <a14:useLocalDpi xmlns:a14="http://schemas.microsoft.com/office/drawing/2010/main" val="0"/>
+              </a:ext>
+            </a:extLst>
+          </a:blip>
+          <a:srcRect/>
+          <a:stretch>
+            <a:fillRect/>
+          </a:stretch>
+        </p:blipFill>
+        <p:spPr bwMode="auto">
+          <a:xfrm>
+            <a:off x="3181350" y="1321932"/>
+            <a:ext cx="7223760" cy="4888866"/>
+          </a:xfrm>
+          <a:prstGeom prst="rect">
+            <a:avLst/>
+          </a:prstGeom>
+          <a:noFill/>
+          <a:ln>
+            <a:noFill/>
+          </a:ln>
+        </p:spPr>
+      </p:pic>
+      <p:sp>
+        <p:nvSpPr>
+          <p:cNvPr id="3" name="TextBox 2">
+            <a:extLst>
+              <a:ext uri="{FF2B5EF4-FFF2-40B4-BE49-F238E27FC236}">
+                <a16:creationId xmlns:a16="http://schemas.microsoft.com/office/drawing/2014/main" id="{9EE8C5E4-5B0A-4ED0-A06B-93A8EE7E7FDF}"/>
+              </a:ext>
+            </a:extLst>
+          </p:cNvPr>
+          <p:cNvSpPr txBox="1"/>
+          <p:nvPr/>
+        </p:nvSpPr>
+        <p:spPr>
+          <a:xfrm>
+            <a:off x="3423920" y="798712"/>
+            <a:ext cx="2672080" cy="523220"/>
+          </a:xfrm>
+          <a:prstGeom prst="rect">
+            <a:avLst/>
+          </a:prstGeom>
+          <a:noFill/>
+        </p:spPr>
+        <p:txBody>
+          <a:bodyPr wrap="square" rtlCol="0">
+            <a:spAutoFit/>
+          </a:bodyPr>
+          <a:lstStyle/>
+          <a:p>
+            <a:r>
+              <a:rPr lang="es-AR" sz="2800" dirty="0"/>
+              <a:t>KNN </a:t>
+            </a:r>
+            <a:r>
+              <a:rPr lang="es-AR" sz="2800" dirty="0" err="1"/>
+              <a:t>Model</a:t>
+            </a:r>
+            <a:endParaRPr lang="en-US" sz="2800" dirty="0"/>
+          </a:p>
+        </p:txBody>
+      </p:sp>
+    </p:spTree>
+    <p:extLst>
+      <p:ext uri="{BB962C8B-B14F-4D97-AF65-F5344CB8AC3E}">
+        <p14:creationId xmlns:p14="http://schemas.microsoft.com/office/powerpoint/2010/main" val="3653017822"/>
+      </p:ext>
+    </p:extLst>
+  </p:cSld>
+  <p:clrMapOvr>
+    <a:masterClrMapping/>
+  </p:clrMapOvr>
+</p:sld>
+</file>
+
+<file path=ppt/slides/slide7.xml><?xml version="1.0" encoding="utf-8"?>
+<p:sld xmlns:a="http://schemas.openxmlformats.org/drawingml/2006/main" xmlns:r="http://schemas.openxmlformats.org/officeDocument/2006/relationships" xmlns:p="http://schemas.openxmlformats.org/presentationml/2006/main">
+  <p:cSld>
+    <p:spTree>
+      <p:nvGrpSpPr>
+        <p:cNvPr id="1" name=""/>
+        <p:cNvGrpSpPr/>
+        <p:nvPr/>
+      </p:nvGrpSpPr>
+      <p:grpSpPr>
+        <a:xfrm>
+          <a:off x="0" y="0"/>
+          <a:ext cx="0" cy="0"/>
+          <a:chOff x="0" y="0"/>
+          <a:chExt cx="0" cy="0"/>
+        </a:xfrm>
+      </p:grpSpPr>
       <p:sp>
         <p:nvSpPr>
           <p:cNvPr id="2" name="Rectangle 1">
